--- a/ppt/Evaluating vegetation loss due to wildfire in Segura.pptx
+++ b/ppt/Evaluating vegetation loss due to wildfire in Segura.pptx
@@ -1,9 +1,12 @@
 
 <file path=ppt/presentation.xml><?xml version="1.0" encoding="utf-8"?>
-<p:presentation xmlns:a="http://schemas.openxmlformats.org/drawingml/2006/main" xmlns:r="http://schemas.openxmlformats.org/officeDocument/2006/relationships" xmlns:p="http://schemas.openxmlformats.org/presentationml/2006/main" saveSubsetFonts="1">
+<p:presentation xmlns:a="http://schemas.openxmlformats.org/drawingml/2006/main" xmlns:r="http://schemas.openxmlformats.org/officeDocument/2006/relationships" xmlns:p="http://schemas.openxmlformats.org/presentationml/2006/main" showSpecialPlsOnTitleSld="0" saveSubsetFonts="1">
   <p:sldMasterIdLst>
     <p:sldMasterId id="2147483660" r:id="rId1"/>
   </p:sldMasterIdLst>
+  <p:notesMasterIdLst>
+    <p:notesMasterId r:id="rId18"/>
+  </p:notesMasterIdLst>
   <p:sldIdLst>
     <p:sldId id="256" r:id="rId2"/>
     <p:sldId id="257" r:id="rId3"/>
@@ -127,6 +130,356 @@
 </p:presentation>
 </file>
 
+<file path=ppt/notesMasters/notesMaster1.xml><?xml version="1.0" encoding="utf-8"?>
+<p:notesMaster xmlns:a="http://schemas.openxmlformats.org/drawingml/2006/main" xmlns:r="http://schemas.openxmlformats.org/officeDocument/2006/relationships" xmlns:p="http://schemas.openxmlformats.org/presentationml/2006/main">
+  <p:cSld>
+    <p:bg>
+      <p:bgRef idx="1001">
+        <a:schemeClr val="bg1"/>
+      </p:bgRef>
+    </p:bg>
+    <p:spTree>
+      <p:nvGrpSpPr>
+        <p:cNvPr id="1" name=""/>
+        <p:cNvGrpSpPr/>
+        <p:nvPr/>
+      </p:nvGrpSpPr>
+      <p:grpSpPr>
+        <a:xfrm>
+          <a:off x="0" y="0"/>
+          <a:ext cx="0" cy="0"/>
+          <a:chOff x="0" y="0"/>
+          <a:chExt cx="0" cy="0"/>
+        </a:xfrm>
+      </p:grpSpPr>
+      <p:sp>
+        <p:nvSpPr>
+          <p:cNvPr id="2" name="Segnaposto intestazione 1"/>
+          <p:cNvSpPr>
+            <a:spLocks noGrp="1"/>
+          </p:cNvSpPr>
+          <p:nvPr>
+            <p:ph type="hdr" sz="quarter"/>
+          </p:nvPr>
+        </p:nvSpPr>
+        <p:spPr>
+          <a:xfrm>
+            <a:off x="0" y="0"/>
+            <a:ext cx="2971800" cy="458788"/>
+          </a:xfrm>
+          <a:prstGeom prst="rect">
+            <a:avLst/>
+          </a:prstGeom>
+        </p:spPr>
+        <p:txBody>
+          <a:bodyPr vert="horz" lIns="91440" tIns="45720" rIns="91440" bIns="45720" rtlCol="0"/>
+          <a:lstStyle>
+            <a:lvl1pPr algn="l">
+              <a:defRPr sz="1200"/>
+            </a:lvl1pPr>
+          </a:lstStyle>
+          <a:p>
+            <a:endParaRPr lang="en-US"/>
+          </a:p>
+        </p:txBody>
+      </p:sp>
+      <p:sp>
+        <p:nvSpPr>
+          <p:cNvPr id="3" name="Segnaposto data 2"/>
+          <p:cNvSpPr>
+            <a:spLocks noGrp="1"/>
+          </p:cNvSpPr>
+          <p:nvPr>
+            <p:ph type="dt" idx="1"/>
+          </p:nvPr>
+        </p:nvSpPr>
+        <p:spPr>
+          <a:xfrm>
+            <a:off x="3884613" y="0"/>
+            <a:ext cx="2971800" cy="458788"/>
+          </a:xfrm>
+          <a:prstGeom prst="rect">
+            <a:avLst/>
+          </a:prstGeom>
+        </p:spPr>
+        <p:txBody>
+          <a:bodyPr vert="horz" lIns="91440" tIns="45720" rIns="91440" bIns="45720" rtlCol="0"/>
+          <a:lstStyle>
+            <a:lvl1pPr algn="r">
+              <a:defRPr sz="1200"/>
+            </a:lvl1pPr>
+          </a:lstStyle>
+          <a:p>
+            <a:fld id="{399B003A-563D-4507-9A6C-0E7519A8DB16}" type="datetimeFigureOut">
+              <a:rPr lang="en-US" smtClean="0"/>
+              <a:t>2/13/2025</a:t>
+            </a:fld>
+            <a:endParaRPr lang="en-US"/>
+          </a:p>
+        </p:txBody>
+      </p:sp>
+      <p:sp>
+        <p:nvSpPr>
+          <p:cNvPr id="4" name="Segnaposto immagine diapositiva 3"/>
+          <p:cNvSpPr>
+            <a:spLocks noGrp="1" noRot="1" noChangeAspect="1"/>
+          </p:cNvSpPr>
+          <p:nvPr>
+            <p:ph type="sldImg" idx="2"/>
+          </p:nvPr>
+        </p:nvSpPr>
+        <p:spPr>
+          <a:xfrm>
+            <a:off x="685800" y="1143000"/>
+            <a:ext cx="5486400" cy="3086100"/>
+          </a:xfrm>
+          <a:prstGeom prst="rect">
+            <a:avLst/>
+          </a:prstGeom>
+          <a:noFill/>
+          <a:ln w="12700">
+            <a:solidFill>
+              <a:prstClr val="black"/>
+            </a:solidFill>
+          </a:ln>
+        </p:spPr>
+        <p:txBody>
+          <a:bodyPr vert="horz" lIns="91440" tIns="45720" rIns="91440" bIns="45720" rtlCol="0" anchor="ctr"/>
+          <a:lstStyle/>
+          <a:p>
+            <a:endParaRPr lang="en-US"/>
+          </a:p>
+        </p:txBody>
+      </p:sp>
+      <p:sp>
+        <p:nvSpPr>
+          <p:cNvPr id="5" name="Segnaposto note 4"/>
+          <p:cNvSpPr>
+            <a:spLocks noGrp="1"/>
+          </p:cNvSpPr>
+          <p:nvPr>
+            <p:ph type="body" sz="quarter" idx="3"/>
+          </p:nvPr>
+        </p:nvSpPr>
+        <p:spPr>
+          <a:xfrm>
+            <a:off x="685800" y="4400550"/>
+            <a:ext cx="5486400" cy="3600450"/>
+          </a:xfrm>
+          <a:prstGeom prst="rect">
+            <a:avLst/>
+          </a:prstGeom>
+        </p:spPr>
+        <p:txBody>
+          <a:bodyPr vert="horz" lIns="91440" tIns="45720" rIns="91440" bIns="45720" rtlCol="0"/>
+          <a:lstStyle/>
+          <a:p>
+            <a:pPr lvl="0"/>
+            <a:r>
+              <a:rPr lang="it-IT"/>
+              <a:t>Fare clic per modificare gli stili del testo dello schema</a:t>
+            </a:r>
+          </a:p>
+          <a:p>
+            <a:pPr lvl="1"/>
+            <a:r>
+              <a:rPr lang="it-IT"/>
+              <a:t>Secondo livello</a:t>
+            </a:r>
+          </a:p>
+          <a:p>
+            <a:pPr lvl="2"/>
+            <a:r>
+              <a:rPr lang="it-IT"/>
+              <a:t>Terzo livello</a:t>
+            </a:r>
+          </a:p>
+          <a:p>
+            <a:pPr lvl="3"/>
+            <a:r>
+              <a:rPr lang="it-IT"/>
+              <a:t>Quarto livello</a:t>
+            </a:r>
+          </a:p>
+          <a:p>
+            <a:pPr lvl="4"/>
+            <a:r>
+              <a:rPr lang="it-IT"/>
+              <a:t>Quinto livello</a:t>
+            </a:r>
+            <a:endParaRPr lang="en-US"/>
+          </a:p>
+        </p:txBody>
+      </p:sp>
+      <p:sp>
+        <p:nvSpPr>
+          <p:cNvPr id="6" name="Segnaposto piè di pagina 5"/>
+          <p:cNvSpPr>
+            <a:spLocks noGrp="1"/>
+          </p:cNvSpPr>
+          <p:nvPr>
+            <p:ph type="ftr" sz="quarter" idx="4"/>
+          </p:nvPr>
+        </p:nvSpPr>
+        <p:spPr>
+          <a:xfrm>
+            <a:off x="0" y="8685213"/>
+            <a:ext cx="2971800" cy="458787"/>
+          </a:xfrm>
+          <a:prstGeom prst="rect">
+            <a:avLst/>
+          </a:prstGeom>
+        </p:spPr>
+        <p:txBody>
+          <a:bodyPr vert="horz" lIns="91440" tIns="45720" rIns="91440" bIns="45720" rtlCol="0" anchor="b"/>
+          <a:lstStyle>
+            <a:lvl1pPr algn="l">
+              <a:defRPr sz="1200"/>
+            </a:lvl1pPr>
+          </a:lstStyle>
+          <a:p>
+            <a:endParaRPr lang="en-US"/>
+          </a:p>
+        </p:txBody>
+      </p:sp>
+      <p:sp>
+        <p:nvSpPr>
+          <p:cNvPr id="7" name="Segnaposto numero diapositiva 6"/>
+          <p:cNvSpPr>
+            <a:spLocks noGrp="1"/>
+          </p:cNvSpPr>
+          <p:nvPr>
+            <p:ph type="sldNum" sz="quarter" idx="5"/>
+          </p:nvPr>
+        </p:nvSpPr>
+        <p:spPr>
+          <a:xfrm>
+            <a:off x="3884613" y="8685213"/>
+            <a:ext cx="2971800" cy="458787"/>
+          </a:xfrm>
+          <a:prstGeom prst="rect">
+            <a:avLst/>
+          </a:prstGeom>
+        </p:spPr>
+        <p:txBody>
+          <a:bodyPr vert="horz" lIns="91440" tIns="45720" rIns="91440" bIns="45720" rtlCol="0" anchor="b"/>
+          <a:lstStyle>
+            <a:lvl1pPr algn="r">
+              <a:defRPr sz="1200"/>
+            </a:lvl1pPr>
+          </a:lstStyle>
+          <a:p>
+            <a:fld id="{D5AF92E0-D156-417E-971F-BF4F13166C1E}" type="slidenum">
+              <a:rPr lang="en-US" smtClean="0"/>
+              <a:t>‹N›</a:t>
+            </a:fld>
+            <a:endParaRPr lang="en-US"/>
+          </a:p>
+        </p:txBody>
+      </p:sp>
+    </p:spTree>
+    <p:extLst>
+      <p:ext uri="{BB962C8B-B14F-4D97-AF65-F5344CB8AC3E}">
+        <p14:creationId xmlns:p14="http://schemas.microsoft.com/office/powerpoint/2010/main" val="1744931887"/>
+      </p:ext>
+    </p:extLst>
+  </p:cSld>
+  <p:clrMap bg1="lt1" tx1="dk1" bg2="lt2" tx2="dk2" accent1="accent1" accent2="accent2" accent3="accent3" accent4="accent4" accent5="accent5" accent6="accent6" hlink="hlink" folHlink="folHlink"/>
+  <p:notesStyle>
+    <a:lvl1pPr marL="0" algn="l" defTabSz="914400" rtl="0" eaLnBrk="1" latinLnBrk="0" hangingPunct="1">
+      <a:defRPr sz="1200" kern="1200">
+        <a:solidFill>
+          <a:schemeClr val="tx1"/>
+        </a:solidFill>
+        <a:latin typeface="+mn-lt"/>
+        <a:ea typeface="+mn-ea"/>
+        <a:cs typeface="+mn-cs"/>
+      </a:defRPr>
+    </a:lvl1pPr>
+    <a:lvl2pPr marL="457200" algn="l" defTabSz="914400" rtl="0" eaLnBrk="1" latinLnBrk="0" hangingPunct="1">
+      <a:defRPr sz="1200" kern="1200">
+        <a:solidFill>
+          <a:schemeClr val="tx1"/>
+        </a:solidFill>
+        <a:latin typeface="+mn-lt"/>
+        <a:ea typeface="+mn-ea"/>
+        <a:cs typeface="+mn-cs"/>
+      </a:defRPr>
+    </a:lvl2pPr>
+    <a:lvl3pPr marL="914400" algn="l" defTabSz="914400" rtl="0" eaLnBrk="1" latinLnBrk="0" hangingPunct="1">
+      <a:defRPr sz="1200" kern="1200">
+        <a:solidFill>
+          <a:schemeClr val="tx1"/>
+        </a:solidFill>
+        <a:latin typeface="+mn-lt"/>
+        <a:ea typeface="+mn-ea"/>
+        <a:cs typeface="+mn-cs"/>
+      </a:defRPr>
+    </a:lvl3pPr>
+    <a:lvl4pPr marL="1371600" algn="l" defTabSz="914400" rtl="0" eaLnBrk="1" latinLnBrk="0" hangingPunct="1">
+      <a:defRPr sz="1200" kern="1200">
+        <a:solidFill>
+          <a:schemeClr val="tx1"/>
+        </a:solidFill>
+        <a:latin typeface="+mn-lt"/>
+        <a:ea typeface="+mn-ea"/>
+        <a:cs typeface="+mn-cs"/>
+      </a:defRPr>
+    </a:lvl4pPr>
+    <a:lvl5pPr marL="1828800" algn="l" defTabSz="914400" rtl="0" eaLnBrk="1" latinLnBrk="0" hangingPunct="1">
+      <a:defRPr sz="1200" kern="1200">
+        <a:solidFill>
+          <a:schemeClr val="tx1"/>
+        </a:solidFill>
+        <a:latin typeface="+mn-lt"/>
+        <a:ea typeface="+mn-ea"/>
+        <a:cs typeface="+mn-cs"/>
+      </a:defRPr>
+    </a:lvl5pPr>
+    <a:lvl6pPr marL="2286000" algn="l" defTabSz="914400" rtl="0" eaLnBrk="1" latinLnBrk="0" hangingPunct="1">
+      <a:defRPr sz="1200" kern="1200">
+        <a:solidFill>
+          <a:schemeClr val="tx1"/>
+        </a:solidFill>
+        <a:latin typeface="+mn-lt"/>
+        <a:ea typeface="+mn-ea"/>
+        <a:cs typeface="+mn-cs"/>
+      </a:defRPr>
+    </a:lvl6pPr>
+    <a:lvl7pPr marL="2743200" algn="l" defTabSz="914400" rtl="0" eaLnBrk="1" latinLnBrk="0" hangingPunct="1">
+      <a:defRPr sz="1200" kern="1200">
+        <a:solidFill>
+          <a:schemeClr val="tx1"/>
+        </a:solidFill>
+        <a:latin typeface="+mn-lt"/>
+        <a:ea typeface="+mn-ea"/>
+        <a:cs typeface="+mn-cs"/>
+      </a:defRPr>
+    </a:lvl7pPr>
+    <a:lvl8pPr marL="3200400" algn="l" defTabSz="914400" rtl="0" eaLnBrk="1" latinLnBrk="0" hangingPunct="1">
+      <a:defRPr sz="1200" kern="1200">
+        <a:solidFill>
+          <a:schemeClr val="tx1"/>
+        </a:solidFill>
+        <a:latin typeface="+mn-lt"/>
+        <a:ea typeface="+mn-ea"/>
+        <a:cs typeface="+mn-cs"/>
+      </a:defRPr>
+    </a:lvl8pPr>
+    <a:lvl9pPr marL="3657600" algn="l" defTabSz="914400" rtl="0" eaLnBrk="1" latinLnBrk="0" hangingPunct="1">
+      <a:defRPr sz="1200" kern="1200">
+        <a:solidFill>
+          <a:schemeClr val="tx1"/>
+        </a:solidFill>
+        <a:latin typeface="+mn-lt"/>
+        <a:ea typeface="+mn-ea"/>
+        <a:cs typeface="+mn-cs"/>
+      </a:defRPr>
+    </a:lvl9pPr>
+  </p:notesStyle>
+</p:notesMaster>
+</file>
+
 <file path=ppt/slideLayouts/slideLayout1.xml><?xml version="1.0" encoding="utf-8"?>
 <p:sldLayout xmlns:a="http://schemas.openxmlformats.org/drawingml/2006/main" xmlns:r="http://schemas.openxmlformats.org/officeDocument/2006/relationships" xmlns:p="http://schemas.openxmlformats.org/presentationml/2006/main" type="title" preserve="1">
   <p:cSld name="Diapositiva titolo">
@@ -278,9 +631,9 @@
           <a:bodyPr/>
           <a:lstStyle/>
           <a:p>
-            <a:fld id="{F94DB9C2-12EA-483F-BF11-5ACF11F338DC}" type="datetimeFigureOut">
+            <a:fld id="{DB1EA214-CB60-46C5-9880-B8EAC9882A63}" type="datetime1">
               <a:rPr lang="en-US" smtClean="0"/>
-              <a:t>2/11/2025</a:t>
+              <a:t>2/13/2025</a:t>
             </a:fld>
             <a:endParaRPr lang="en-US"/>
           </a:p>
@@ -494,9 +847,9 @@
           <a:bodyPr/>
           <a:lstStyle/>
           <a:p>
-            <a:fld id="{F94DB9C2-12EA-483F-BF11-5ACF11F338DC}" type="datetimeFigureOut">
+            <a:fld id="{2410AAE9-305D-4798-955F-5AD3D11944B1}" type="datetime1">
               <a:rPr lang="en-US" smtClean="0"/>
-              <a:t>2/11/2025</a:t>
+              <a:t>2/13/2025</a:t>
             </a:fld>
             <a:endParaRPr lang="en-US"/>
           </a:p>
@@ -704,9 +1057,9 @@
           <a:bodyPr/>
           <a:lstStyle/>
           <a:p>
-            <a:fld id="{F94DB9C2-12EA-483F-BF11-5ACF11F338DC}" type="datetimeFigureOut">
+            <a:fld id="{0FA655FB-F5CD-4D98-B1BF-4E4A8E0C84B1}" type="datetime1">
               <a:rPr lang="en-US" smtClean="0"/>
-              <a:t>2/11/2025</a:t>
+              <a:t>2/13/2025</a:t>
             </a:fld>
             <a:endParaRPr lang="en-US"/>
           </a:p>
@@ -904,9 +1257,9 @@
           <a:bodyPr/>
           <a:lstStyle/>
           <a:p>
-            <a:fld id="{F94DB9C2-12EA-483F-BF11-5ACF11F338DC}" type="datetimeFigureOut">
+            <a:fld id="{5273FE02-E3C8-42EE-961E-6BE531E1F486}" type="datetime1">
               <a:rPr lang="en-US" smtClean="0"/>
-              <a:t>2/11/2025</a:t>
+              <a:t>2/13/2025</a:t>
             </a:fld>
             <a:endParaRPr lang="en-US"/>
           </a:p>
@@ -1182,9 +1535,9 @@
           <a:bodyPr/>
           <a:lstStyle/>
           <a:p>
-            <a:fld id="{F94DB9C2-12EA-483F-BF11-5ACF11F338DC}" type="datetimeFigureOut">
+            <a:fld id="{39821DBB-948C-424A-8A13-09BF9C889F37}" type="datetime1">
               <a:rPr lang="en-US" smtClean="0"/>
-              <a:t>2/11/2025</a:t>
+              <a:t>2/13/2025</a:t>
             </a:fld>
             <a:endParaRPr lang="en-US"/>
           </a:p>
@@ -1450,9 +1803,9 @@
           <a:bodyPr/>
           <a:lstStyle/>
           <a:p>
-            <a:fld id="{F94DB9C2-12EA-483F-BF11-5ACF11F338DC}" type="datetimeFigureOut">
+            <a:fld id="{CD47F314-3925-4D2A-939D-264284D7A5A5}" type="datetime1">
               <a:rPr lang="en-US" smtClean="0"/>
-              <a:t>2/11/2025</a:t>
+              <a:t>2/13/2025</a:t>
             </a:fld>
             <a:endParaRPr lang="en-US"/>
           </a:p>
@@ -1869,9 +2222,9 @@
           <a:bodyPr/>
           <a:lstStyle/>
           <a:p>
-            <a:fld id="{F94DB9C2-12EA-483F-BF11-5ACF11F338DC}" type="datetimeFigureOut">
+            <a:fld id="{7F369075-AA5F-44D6-8959-6345FABC38E6}" type="datetime1">
               <a:rPr lang="en-US" smtClean="0"/>
-              <a:t>2/11/2025</a:t>
+              <a:t>2/13/2025</a:t>
             </a:fld>
             <a:endParaRPr lang="en-US"/>
           </a:p>
@@ -2011,9 +2364,9 @@
           <a:bodyPr/>
           <a:lstStyle/>
           <a:p>
-            <a:fld id="{F94DB9C2-12EA-483F-BF11-5ACF11F338DC}" type="datetimeFigureOut">
+            <a:fld id="{6F9F68E6-7CCB-4048-9F53-68C839B1F773}" type="datetime1">
               <a:rPr lang="en-US" smtClean="0"/>
-              <a:t>2/11/2025</a:t>
+              <a:t>2/13/2025</a:t>
             </a:fld>
             <a:endParaRPr lang="en-US"/>
           </a:p>
@@ -2124,9 +2477,9 @@
           <a:bodyPr/>
           <a:lstStyle/>
           <a:p>
-            <a:fld id="{F94DB9C2-12EA-483F-BF11-5ACF11F338DC}" type="datetimeFigureOut">
+            <a:fld id="{392818BD-6A36-4B8C-89BF-C95C8B35FC9D}" type="datetime1">
               <a:rPr lang="en-US" smtClean="0"/>
-              <a:t>2/11/2025</a:t>
+              <a:t>2/13/2025</a:t>
             </a:fld>
             <a:endParaRPr lang="en-US"/>
           </a:p>
@@ -2441,9 +2794,9 @@
           <a:bodyPr/>
           <a:lstStyle/>
           <a:p>
-            <a:fld id="{F94DB9C2-12EA-483F-BF11-5ACF11F338DC}" type="datetimeFigureOut">
+            <a:fld id="{AF847453-4E04-4BE7-B511-425FB30484F7}" type="datetime1">
               <a:rPr lang="en-US" smtClean="0"/>
-              <a:t>2/11/2025</a:t>
+              <a:t>2/13/2025</a:t>
             </a:fld>
             <a:endParaRPr lang="en-US"/>
           </a:p>
@@ -2736,9 +3089,9 @@
           <a:bodyPr/>
           <a:lstStyle/>
           <a:p>
-            <a:fld id="{F94DB9C2-12EA-483F-BF11-5ACF11F338DC}" type="datetimeFigureOut">
+            <a:fld id="{9F61200D-AFFD-4045-A5E9-664774C78DB9}" type="datetime1">
               <a:rPr lang="en-US" smtClean="0"/>
-              <a:t>2/11/2025</a:t>
+              <a:t>2/13/2025</a:t>
             </a:fld>
             <a:endParaRPr lang="en-US"/>
           </a:p>
@@ -3030,9 +3383,9 @@
             </a:lvl1pPr>
           </a:lstStyle>
           <a:p>
-            <a:fld id="{F94DB9C2-12EA-483F-BF11-5ACF11F338DC}" type="datetimeFigureOut">
+            <a:fld id="{6B94BDE0-4045-4866-84D6-26E5CE75263B}" type="datetime1">
               <a:rPr lang="en-US" smtClean="0"/>
-              <a:t>2/11/2025</a:t>
+              <a:t>2/13/2025</a:t>
             </a:fld>
             <a:endParaRPr lang="en-US"/>
           </a:p>
@@ -3146,6 +3499,7 @@
     <p:sldLayoutId id="2147483670" r:id="rId10"/>
     <p:sldLayoutId id="2147483671" r:id="rId11"/>
   </p:sldLayoutIdLst>
+  <p:hf hdr="0" ftr="0" dt="0"/>
   <p:txStyles>
     <p:titleStyle>
       <a:lvl1pPr algn="l" defTabSz="914400" rtl="0" eaLnBrk="1" latinLnBrk="0" hangingPunct="1">
@@ -3539,12 +3893,16 @@
               <a:t>Simone Santoro – spatial ecology in r, </a:t>
             </a:r>
             <a:r>
-              <a:rPr lang="en-US" dirty="0" err="1"/>
-              <a:t>a.a.</a:t>
+              <a:rPr lang="en-US" err="1"/>
+              <a:t>a</a:t>
+            </a:r>
+            <a:r>
+              <a:rPr lang="en-US"/>
+              <a:t>.Y. </a:t>
             </a:r>
             <a:r>
               <a:rPr lang="en-US" dirty="0"/>
-              <a:t> 2024/2025</a:t>
+              <a:t>2024/2025</a:t>
             </a:r>
           </a:p>
           <a:p>
@@ -4167,13 +4525,13 @@
           <p:nvPr>
             <p:extLst>
               <p:ext uri="{D42A27DB-BD31-4B8C-83A1-F6EECF244321}">
-                <p14:modId xmlns:p14="http://schemas.microsoft.com/office/powerpoint/2010/main" val="2680462323"/>
+                <p14:modId xmlns:p14="http://schemas.microsoft.com/office/powerpoint/2010/main" val="1978968920"/>
               </p:ext>
             </p:extLst>
           </p:nvPr>
         </p:nvGraphicFramePr>
         <p:xfrm>
-          <a:off x="877824" y="4391094"/>
+          <a:off x="871107" y="4450125"/>
           <a:ext cx="10442575" cy="1300480"/>
         </p:xfrm>
         <a:graphic>
@@ -4730,6 +5088,35 @@
           </a:p>
         </p:txBody>
       </p:sp>
+      <p:sp>
+        <p:nvSpPr>
+          <p:cNvPr id="9" name="Segnaposto numero diapositiva 8">
+            <a:extLst>
+              <a:ext uri="{FF2B5EF4-FFF2-40B4-BE49-F238E27FC236}">
+                <a16:creationId xmlns:a16="http://schemas.microsoft.com/office/drawing/2014/main" id="{FD32F72E-617F-4B06-3F88-905B4C58CC2D}"/>
+              </a:ext>
+            </a:extLst>
+          </p:cNvPr>
+          <p:cNvSpPr>
+            <a:spLocks noGrp="1"/>
+          </p:cNvSpPr>
+          <p:nvPr>
+            <p:ph type="sldNum" sz="quarter" idx="12"/>
+          </p:nvPr>
+        </p:nvSpPr>
+        <p:spPr/>
+        <p:txBody>
+          <a:bodyPr/>
+          <a:lstStyle/>
+          <a:p>
+            <a:fld id="{A4EA7B8C-8E0A-4058-86EE-91598B151684}" type="slidenum">
+              <a:rPr lang="en-US" smtClean="0"/>
+              <a:t>10</a:t>
+            </a:fld>
+            <a:endParaRPr lang="en-US"/>
+          </a:p>
+        </p:txBody>
+      </p:sp>
     </p:spTree>
     <p:extLst>
       <p:ext uri="{BB962C8B-B14F-4D97-AF65-F5344CB8AC3E}">
@@ -4835,6 +5222,35 @@
           </a:effectLst>
         </p:spPr>
       </p:pic>
+      <p:sp>
+        <p:nvSpPr>
+          <p:cNvPr id="3" name="Segnaposto numero diapositiva 2">
+            <a:extLst>
+              <a:ext uri="{FF2B5EF4-FFF2-40B4-BE49-F238E27FC236}">
+                <a16:creationId xmlns:a16="http://schemas.microsoft.com/office/drawing/2014/main" id="{5EFC6B20-998D-8D3F-ACB9-730EE2E867BF}"/>
+              </a:ext>
+            </a:extLst>
+          </p:cNvPr>
+          <p:cNvSpPr>
+            <a:spLocks noGrp="1"/>
+          </p:cNvSpPr>
+          <p:nvPr>
+            <p:ph type="sldNum" sz="quarter" idx="12"/>
+          </p:nvPr>
+        </p:nvSpPr>
+        <p:spPr/>
+        <p:txBody>
+          <a:bodyPr/>
+          <a:lstStyle/>
+          <a:p>
+            <a:fld id="{A4EA7B8C-8E0A-4058-86EE-91598B151684}" type="slidenum">
+              <a:rPr lang="en-US" smtClean="0"/>
+              <a:t>11</a:t>
+            </a:fld>
+            <a:endParaRPr lang="en-US"/>
+          </a:p>
+        </p:txBody>
+      </p:sp>
     </p:spTree>
     <p:extLst>
       <p:ext uri="{BB962C8B-B14F-4D97-AF65-F5344CB8AC3E}">
@@ -5549,15 +5965,7 @@
           <a:p>
             <a:r>
               <a:rPr lang="en-US" dirty="0"/>
-              <a:t>A for-loop was used to cycle over all the images, computing for each </a:t>
-            </a:r>
-            <a:r>
-              <a:rPr lang="en-US" dirty="0" err="1"/>
-              <a:t>NDVI</a:t>
-            </a:r>
-            <a:r>
-              <a:rPr lang="en-US" dirty="0"/>
-              <a:t> and forest cover percentage. Results were stored in metric vectors</a:t>
+              <a:t>A for-loop was used to cycle over all the images, computing metrics for each one. Results were stored in vectors.</a:t>
             </a:r>
           </a:p>
           <a:p>
@@ -5591,13 +5999,13 @@
           <p:nvPr>
             <p:extLst>
               <p:ext uri="{D42A27DB-BD31-4B8C-83A1-F6EECF244321}">
-                <p14:modId xmlns:p14="http://schemas.microsoft.com/office/powerpoint/2010/main" val="2032314417"/>
+                <p14:modId xmlns:p14="http://schemas.microsoft.com/office/powerpoint/2010/main" val="2993416343"/>
               </p:ext>
             </p:extLst>
           </p:nvPr>
         </p:nvGraphicFramePr>
         <p:xfrm>
-          <a:off x="870981" y="4976979"/>
+          <a:off x="870980" y="4639635"/>
           <a:ext cx="10442575" cy="1132840"/>
         </p:xfrm>
         <a:graphic>
@@ -5935,6 +6343,35 @@
           </a:p>
         </p:txBody>
       </p:sp>
+      <p:sp>
+        <p:nvSpPr>
+          <p:cNvPr id="7" name="Segnaposto numero diapositiva 6">
+            <a:extLst>
+              <a:ext uri="{FF2B5EF4-FFF2-40B4-BE49-F238E27FC236}">
+                <a16:creationId xmlns:a16="http://schemas.microsoft.com/office/drawing/2014/main" id="{85BEF924-CC7D-F635-822D-C99B05A64069}"/>
+              </a:ext>
+            </a:extLst>
+          </p:cNvPr>
+          <p:cNvSpPr>
+            <a:spLocks noGrp="1"/>
+          </p:cNvSpPr>
+          <p:nvPr>
+            <p:ph type="sldNum" sz="quarter" idx="12"/>
+          </p:nvPr>
+        </p:nvSpPr>
+        <p:spPr/>
+        <p:txBody>
+          <a:bodyPr/>
+          <a:lstStyle/>
+          <a:p>
+            <a:fld id="{A4EA7B8C-8E0A-4058-86EE-91598B151684}" type="slidenum">
+              <a:rPr lang="en-US" smtClean="0"/>
+              <a:t>12</a:t>
+            </a:fld>
+            <a:endParaRPr lang="en-US"/>
+          </a:p>
+        </p:txBody>
+      </p:sp>
     </p:spTree>
     <p:extLst>
       <p:ext uri="{BB962C8B-B14F-4D97-AF65-F5344CB8AC3E}">
@@ -6036,6 +6473,35 @@
           </a:effectLst>
         </p:spPr>
       </p:pic>
+      <p:sp>
+        <p:nvSpPr>
+          <p:cNvPr id="3" name="Segnaposto numero diapositiva 2">
+            <a:extLst>
+              <a:ext uri="{FF2B5EF4-FFF2-40B4-BE49-F238E27FC236}">
+                <a16:creationId xmlns:a16="http://schemas.microsoft.com/office/drawing/2014/main" id="{70A2BDE6-6732-E09A-7540-22C06CDA2487}"/>
+              </a:ext>
+            </a:extLst>
+          </p:cNvPr>
+          <p:cNvSpPr>
+            <a:spLocks noGrp="1"/>
+          </p:cNvSpPr>
+          <p:nvPr>
+            <p:ph type="sldNum" sz="quarter" idx="12"/>
+          </p:nvPr>
+        </p:nvSpPr>
+        <p:spPr/>
+        <p:txBody>
+          <a:bodyPr/>
+          <a:lstStyle/>
+          <a:p>
+            <a:fld id="{A4EA7B8C-8E0A-4058-86EE-91598B151684}" type="slidenum">
+              <a:rPr lang="en-US" smtClean="0"/>
+              <a:t>13</a:t>
+            </a:fld>
+            <a:endParaRPr lang="en-US"/>
+          </a:p>
+        </p:txBody>
+      </p:sp>
     </p:spTree>
     <p:extLst>
       <p:ext uri="{BB962C8B-B14F-4D97-AF65-F5344CB8AC3E}">
@@ -6139,6 +6605,35 @@
           </a:effectLst>
         </p:spPr>
       </p:pic>
+      <p:sp>
+        <p:nvSpPr>
+          <p:cNvPr id="3" name="Segnaposto numero diapositiva 2">
+            <a:extLst>
+              <a:ext uri="{FF2B5EF4-FFF2-40B4-BE49-F238E27FC236}">
+                <a16:creationId xmlns:a16="http://schemas.microsoft.com/office/drawing/2014/main" id="{DB3140FB-A76C-C5A3-C93A-601F77DE4AB2}"/>
+              </a:ext>
+            </a:extLst>
+          </p:cNvPr>
+          <p:cNvSpPr>
+            <a:spLocks noGrp="1"/>
+          </p:cNvSpPr>
+          <p:nvPr>
+            <p:ph type="sldNum" sz="quarter" idx="12"/>
+          </p:nvPr>
+        </p:nvSpPr>
+        <p:spPr/>
+        <p:txBody>
+          <a:bodyPr/>
+          <a:lstStyle/>
+          <a:p>
+            <a:fld id="{A4EA7B8C-8E0A-4058-86EE-91598B151684}" type="slidenum">
+              <a:rPr lang="en-US" smtClean="0"/>
+              <a:t>14</a:t>
+            </a:fld>
+            <a:endParaRPr lang="en-US"/>
+          </a:p>
+        </p:txBody>
+      </p:sp>
     </p:spTree>
     <p:extLst>
       <p:ext uri="{BB962C8B-B14F-4D97-AF65-F5344CB8AC3E}">
@@ -6222,6 +6717,33 @@
           <a:p>
             <a:r>
               <a:rPr lang="en-GB" sz="1800" b="1" dirty="0"/>
+              <a:t>Reduction of Average </a:t>
+            </a:r>
+            <a:r>
+              <a:rPr lang="en-GB" sz="1800" b="1" dirty="0" err="1"/>
+              <a:t>NDVI</a:t>
+            </a:r>
+            <a:r>
+              <a:rPr lang="en-GB" sz="1800" b="1" dirty="0"/>
+              <a:t>: </a:t>
+            </a:r>
+            <a:r>
+              <a:rPr lang="en-GB" sz="1800" dirty="0"/>
+              <a:t>Average </a:t>
+            </a:r>
+            <a:r>
+              <a:rPr lang="en-GB" sz="1800" dirty="0" err="1"/>
+              <a:t>NDVI</a:t>
+            </a:r>
+            <a:r>
+              <a:rPr lang="en-GB" sz="1800" dirty="0"/>
+              <a:t> dropped from 0.6 to 0.4</a:t>
+            </a:r>
+            <a:endParaRPr lang="en-GB" sz="1800" b="1" dirty="0"/>
+          </a:p>
+          <a:p>
+            <a:r>
+              <a:rPr lang="en-GB" sz="1800" b="1" dirty="0"/>
               <a:t>Significant Vegetation Loss</a:t>
             </a:r>
             <a:r>
@@ -6276,17 +6798,42 @@
           <a:p>
             <a:r>
               <a:rPr lang="en-GB" sz="1800" b="1" dirty="0"/>
-              <a:t>Future </a:t>
-            </a:r>
-            <a:r>
-              <a:rPr lang="en-GB" sz="1800" b="1" dirty="0" err="1"/>
-              <a:t>Developement</a:t>
+              <a:t>Future Development</a:t>
             </a:r>
             <a:r>
               <a:rPr lang="en-GB" sz="1800" dirty="0"/>
-              <a:t>: Further analysis could incorporate climate variables, soil conditions, and species-specific regrowth patterns to refine recovery assessments.</a:t>
+              <a:t>: Further analysis could incorporate climate variables and soil conditions to refine recovery assessments. Also, machine learning models could be developed to predict regrowth in the following years. </a:t>
             </a:r>
             <a:endParaRPr lang="en-US" sz="1800" dirty="0"/>
+          </a:p>
+        </p:txBody>
+      </p:sp>
+      <p:sp>
+        <p:nvSpPr>
+          <p:cNvPr id="4" name="Segnaposto numero diapositiva 3">
+            <a:extLst>
+              <a:ext uri="{FF2B5EF4-FFF2-40B4-BE49-F238E27FC236}">
+                <a16:creationId xmlns:a16="http://schemas.microsoft.com/office/drawing/2014/main" id="{93657D7B-9ED6-29E8-D037-59DCFC7BF449}"/>
+              </a:ext>
+            </a:extLst>
+          </p:cNvPr>
+          <p:cNvSpPr>
+            <a:spLocks noGrp="1"/>
+          </p:cNvSpPr>
+          <p:nvPr>
+            <p:ph type="sldNum" sz="quarter" idx="12"/>
+          </p:nvPr>
+        </p:nvSpPr>
+        <p:spPr/>
+        <p:txBody>
+          <a:bodyPr/>
+          <a:lstStyle/>
+          <a:p>
+            <a:fld id="{A4EA7B8C-8E0A-4058-86EE-91598B151684}" type="slidenum">
+              <a:rPr lang="en-US" smtClean="0"/>
+              <a:t>15</a:t>
+            </a:fld>
+            <a:endParaRPr lang="en-US"/>
           </a:p>
         </p:txBody>
       </p:sp>
@@ -6499,7 +7046,7 @@
             </a:pPr>
             <a:r>
               <a:rPr lang="en-US" sz="1800" dirty="0"/>
-              <a:t>Normalize Difference Vegetation Index  Analysis;</a:t>
+              <a:t>Normalized Difference Vegetation Index  Analysis;</a:t>
             </a:r>
           </a:p>
           <a:p>
@@ -6511,6 +7058,35 @@
               <a:rPr lang="en-GB" sz="1800" dirty="0"/>
               <a:t>Time series analysis for monitoring Forest Recovery.</a:t>
             </a:r>
+          </a:p>
+        </p:txBody>
+      </p:sp>
+      <p:sp>
+        <p:nvSpPr>
+          <p:cNvPr id="4" name="Segnaposto numero diapositiva 3">
+            <a:extLst>
+              <a:ext uri="{FF2B5EF4-FFF2-40B4-BE49-F238E27FC236}">
+                <a16:creationId xmlns:a16="http://schemas.microsoft.com/office/drawing/2014/main" id="{176ECFFB-B745-6BD7-233D-CF96DA729C0D}"/>
+              </a:ext>
+            </a:extLst>
+          </p:cNvPr>
+          <p:cNvSpPr>
+            <a:spLocks noGrp="1"/>
+          </p:cNvSpPr>
+          <p:nvPr>
+            <p:ph type="sldNum" sz="quarter" idx="12"/>
+          </p:nvPr>
+        </p:nvSpPr>
+        <p:spPr/>
+        <p:txBody>
+          <a:bodyPr/>
+          <a:lstStyle/>
+          <a:p>
+            <a:fld id="{A4EA7B8C-8E0A-4058-86EE-91598B151684}" type="slidenum">
+              <a:rPr lang="en-US" smtClean="0"/>
+              <a:t>2</a:t>
+            </a:fld>
+            <a:endParaRPr lang="en-US"/>
           </a:p>
         </p:txBody>
       </p:sp>
@@ -6627,14 +7203,14 @@
           <p:nvPr>
             <p:extLst>
               <p:ext uri="{D42A27DB-BD31-4B8C-83A1-F6EECF244321}">
-                <p14:modId xmlns:p14="http://schemas.microsoft.com/office/powerpoint/2010/main" val="1306649294"/>
+                <p14:modId xmlns:p14="http://schemas.microsoft.com/office/powerpoint/2010/main" val="1946949281"/>
               </p:ext>
             </p:extLst>
           </p:nvPr>
         </p:nvGraphicFramePr>
         <p:xfrm>
           <a:off x="878317" y="2956588"/>
-          <a:ext cx="10442575" cy="2047240"/>
+          <a:ext cx="10442575" cy="1833880"/>
         </p:xfrm>
         <a:graphic>
           <a:graphicData uri="http://schemas.openxmlformats.org/drawingml/2006/table">
@@ -6712,26 +7288,6 @@
                           <a:effectLst/>
                           <a:latin typeface="Consolas" panose="020B0609020204030204" pitchFamily="49" charset="0"/>
                         </a:rPr>
-                        <a:t>"raster"</a:t>
-                      </a:r>
-                      <a:r>
-                        <a:rPr lang="en-GB" sz="1400" b="0" i="0" u="none" strike="noStrike" dirty="0">
-                          <a:solidFill>
-                            <a:srgbClr val="444444"/>
-                          </a:solidFill>
-                          <a:effectLst/>
-                          <a:latin typeface="Consolas" panose="020B0609020204030204" pitchFamily="49" charset="0"/>
-                        </a:rPr>
-                        <a:t>, </a:t>
-                      </a:r>
-                      <a:r>
-                        <a:rPr lang="en-GB" sz="1400" b="0" i="0" u="none" strike="noStrike" dirty="0">
-                          <a:solidFill>
-                            <a:srgbClr val="880000"/>
-                          </a:solidFill>
-                          <a:effectLst/>
-                          <a:latin typeface="Consolas" panose="020B0609020204030204" pitchFamily="49" charset="0"/>
-                        </a:rPr>
                         <a:t>"patchwork"</a:t>
                       </a:r>
                       <a:r>
@@ -7077,35 +7633,6 @@
                           <a:latin typeface="Consolas" panose="020B0609020204030204" pitchFamily="49" charset="0"/>
                         </a:rPr>
                         <a:t>(patchwork)</a:t>
-                      </a:r>
-                      <a:br>
-                        <a:rPr lang="en-GB" sz="1400" b="0" i="0" u="none" strike="noStrike" dirty="0">
-                          <a:solidFill>
-                            <a:srgbClr val="444444"/>
-                          </a:solidFill>
-                          <a:effectLst/>
-                          <a:latin typeface="Consolas" panose="020B0609020204030204" pitchFamily="49" charset="0"/>
-                        </a:rPr>
-                      </a:br>
-                      <a:r>
-                        <a:rPr lang="en-GB" sz="1400" b="1" i="0" u="none" strike="noStrike" dirty="0">
-                          <a:solidFill>
-                            <a:srgbClr val="444444"/>
-                          </a:solidFill>
-                          <a:effectLst/>
-                          <a:latin typeface="Consolas" panose="020B0609020204030204" pitchFamily="49" charset="0"/>
-                        </a:rPr>
-                        <a:t>library</a:t>
-                      </a:r>
-                      <a:r>
-                        <a:rPr lang="en-GB" sz="1400" b="0" i="0" u="none" strike="noStrike" dirty="0">
-                          <a:solidFill>
-                            <a:srgbClr val="444444"/>
-                          </a:solidFill>
-                          <a:effectLst/>
-                          <a:latin typeface="Consolas" panose="020B0609020204030204" pitchFamily="49" charset="0"/>
-                        </a:rPr>
-                        <a:t>(raster)</a:t>
                       </a:r>
                       <a:br>
                         <a:rPr lang="en-GB" sz="1400" b="0" i="0" u="none" strike="noStrike" dirty="0">
@@ -7258,6 +7785,35 @@
           </a:p>
         </p:txBody>
       </p:sp>
+      <p:sp>
+        <p:nvSpPr>
+          <p:cNvPr id="4" name="Segnaposto numero diapositiva 3">
+            <a:extLst>
+              <a:ext uri="{FF2B5EF4-FFF2-40B4-BE49-F238E27FC236}">
+                <a16:creationId xmlns:a16="http://schemas.microsoft.com/office/drawing/2014/main" id="{0A84DC74-F0C2-EF27-25A6-1AD9979197AF}"/>
+              </a:ext>
+            </a:extLst>
+          </p:cNvPr>
+          <p:cNvSpPr>
+            <a:spLocks noGrp="1"/>
+          </p:cNvSpPr>
+          <p:nvPr>
+            <p:ph type="sldNum" sz="quarter" idx="12"/>
+          </p:nvPr>
+        </p:nvSpPr>
+        <p:spPr/>
+        <p:txBody>
+          <a:bodyPr/>
+          <a:lstStyle/>
+          <a:p>
+            <a:fld id="{A4EA7B8C-8E0A-4058-86EE-91598B151684}" type="slidenum">
+              <a:rPr lang="en-US" smtClean="0"/>
+              <a:t>3</a:t>
+            </a:fld>
+            <a:endParaRPr lang="en-US"/>
+          </a:p>
+        </p:txBody>
+      </p:sp>
     </p:spTree>
     <p:extLst>
       <p:ext uri="{BB962C8B-B14F-4D97-AF65-F5344CB8AC3E}">
@@ -7412,6 +7968,35 @@
               <a:t>Download as high resolution .tiff 8-bit images.</a:t>
             </a:r>
             <a:endParaRPr lang="en-US" sz="1800" dirty="0"/>
+          </a:p>
+        </p:txBody>
+      </p:sp>
+      <p:sp>
+        <p:nvSpPr>
+          <p:cNvPr id="4" name="Segnaposto numero diapositiva 3">
+            <a:extLst>
+              <a:ext uri="{FF2B5EF4-FFF2-40B4-BE49-F238E27FC236}">
+                <a16:creationId xmlns:a16="http://schemas.microsoft.com/office/drawing/2014/main" id="{B2C41192-295C-203C-7D03-EF6B68809D8A}"/>
+              </a:ext>
+            </a:extLst>
+          </p:cNvPr>
+          <p:cNvSpPr>
+            <a:spLocks noGrp="1"/>
+          </p:cNvSpPr>
+          <p:nvPr>
+            <p:ph type="sldNum" sz="quarter" idx="12"/>
+          </p:nvPr>
+        </p:nvSpPr>
+        <p:spPr/>
+        <p:txBody>
+          <a:bodyPr/>
+          <a:lstStyle/>
+          <a:p>
+            <a:fld id="{A4EA7B8C-8E0A-4058-86EE-91598B151684}" type="slidenum">
+              <a:rPr lang="en-US" smtClean="0"/>
+              <a:t>4</a:t>
+            </a:fld>
+            <a:endParaRPr lang="en-US"/>
           </a:p>
         </p:txBody>
       </p:sp>
@@ -8702,6 +9287,35 @@
           </a:p>
         </p:txBody>
       </p:sp>
+      <p:sp>
+        <p:nvSpPr>
+          <p:cNvPr id="5" name="Segnaposto numero diapositiva 4">
+            <a:extLst>
+              <a:ext uri="{FF2B5EF4-FFF2-40B4-BE49-F238E27FC236}">
+                <a16:creationId xmlns:a16="http://schemas.microsoft.com/office/drawing/2014/main" id="{DB0C17F6-B15C-E015-DDAE-E657A9B21D56}"/>
+              </a:ext>
+            </a:extLst>
+          </p:cNvPr>
+          <p:cNvSpPr>
+            <a:spLocks noGrp="1"/>
+          </p:cNvSpPr>
+          <p:nvPr>
+            <p:ph type="sldNum" sz="quarter" idx="12"/>
+          </p:nvPr>
+        </p:nvSpPr>
+        <p:spPr/>
+        <p:txBody>
+          <a:bodyPr/>
+          <a:lstStyle/>
+          <a:p>
+            <a:fld id="{A4EA7B8C-8E0A-4058-86EE-91598B151684}" type="slidenum">
+              <a:rPr lang="en-US" smtClean="0"/>
+              <a:t>5</a:t>
+            </a:fld>
+            <a:endParaRPr lang="en-US"/>
+          </a:p>
+        </p:txBody>
+      </p:sp>
     </p:spTree>
     <p:extLst>
       <p:ext uri="{BB962C8B-B14F-4D97-AF65-F5344CB8AC3E}">
@@ -8814,6 +9428,35 @@
           </a:effectLst>
         </p:spPr>
       </p:pic>
+      <p:sp>
+        <p:nvSpPr>
+          <p:cNvPr id="3" name="Segnaposto numero diapositiva 2">
+            <a:extLst>
+              <a:ext uri="{FF2B5EF4-FFF2-40B4-BE49-F238E27FC236}">
+                <a16:creationId xmlns:a16="http://schemas.microsoft.com/office/drawing/2014/main" id="{21B430BB-C4A5-2E66-D26B-325B4DAADD27}"/>
+              </a:ext>
+            </a:extLst>
+          </p:cNvPr>
+          <p:cNvSpPr>
+            <a:spLocks noGrp="1"/>
+          </p:cNvSpPr>
+          <p:nvPr>
+            <p:ph type="sldNum" sz="quarter" idx="12"/>
+          </p:nvPr>
+        </p:nvSpPr>
+        <p:spPr/>
+        <p:txBody>
+          <a:bodyPr/>
+          <a:lstStyle/>
+          <a:p>
+            <a:fld id="{A4EA7B8C-8E0A-4058-86EE-91598B151684}" type="slidenum">
+              <a:rPr lang="en-US" smtClean="0"/>
+              <a:t>6</a:t>
+            </a:fld>
+            <a:endParaRPr lang="en-US"/>
+          </a:p>
+        </p:txBody>
+      </p:sp>
     </p:spTree>
     <p:extLst>
       <p:ext uri="{BB962C8B-B14F-4D97-AF65-F5344CB8AC3E}">
@@ -9703,6 +10346,35 @@
           </a:effectLst>
         </p:spPr>
       </p:pic>
+      <p:sp>
+        <p:nvSpPr>
+          <p:cNvPr id="7" name="Segnaposto numero diapositiva 6">
+            <a:extLst>
+              <a:ext uri="{FF2B5EF4-FFF2-40B4-BE49-F238E27FC236}">
+                <a16:creationId xmlns:a16="http://schemas.microsoft.com/office/drawing/2014/main" id="{9AF06799-2DAE-767A-76F1-1D2107073813}"/>
+              </a:ext>
+            </a:extLst>
+          </p:cNvPr>
+          <p:cNvSpPr>
+            <a:spLocks noGrp="1"/>
+          </p:cNvSpPr>
+          <p:nvPr>
+            <p:ph type="sldNum" sz="quarter" idx="12"/>
+          </p:nvPr>
+        </p:nvSpPr>
+        <p:spPr/>
+        <p:txBody>
+          <a:bodyPr/>
+          <a:lstStyle/>
+          <a:p>
+            <a:fld id="{A4EA7B8C-8E0A-4058-86EE-91598B151684}" type="slidenum">
+              <a:rPr lang="en-US" smtClean="0"/>
+              <a:t>7</a:t>
+            </a:fld>
+            <a:endParaRPr lang="en-US"/>
+          </a:p>
+        </p:txBody>
+      </p:sp>
     </p:spTree>
     <p:extLst>
       <p:ext uri="{BB962C8B-B14F-4D97-AF65-F5344CB8AC3E}">
@@ -10678,6 +11350,35 @@
           </a:graphicData>
         </a:graphic>
       </p:graphicFrame>
+      <p:sp>
+        <p:nvSpPr>
+          <p:cNvPr id="4" name="Segnaposto numero diapositiva 3">
+            <a:extLst>
+              <a:ext uri="{FF2B5EF4-FFF2-40B4-BE49-F238E27FC236}">
+                <a16:creationId xmlns:a16="http://schemas.microsoft.com/office/drawing/2014/main" id="{8A987D11-26CC-0983-7515-340798AB052F}"/>
+              </a:ext>
+            </a:extLst>
+          </p:cNvPr>
+          <p:cNvSpPr>
+            <a:spLocks noGrp="1"/>
+          </p:cNvSpPr>
+          <p:nvPr>
+            <p:ph type="sldNum" sz="quarter" idx="12"/>
+          </p:nvPr>
+        </p:nvSpPr>
+        <p:spPr/>
+        <p:txBody>
+          <a:bodyPr/>
+          <a:lstStyle/>
+          <a:p>
+            <a:fld id="{A4EA7B8C-8E0A-4058-86EE-91598B151684}" type="slidenum">
+              <a:rPr lang="en-US" smtClean="0"/>
+              <a:t>8</a:t>
+            </a:fld>
+            <a:endParaRPr lang="en-US"/>
+          </a:p>
+        </p:txBody>
+      </p:sp>
     </p:spTree>
     <p:extLst>
       <p:ext uri="{BB962C8B-B14F-4D97-AF65-F5344CB8AC3E}">
@@ -10724,7 +11425,12 @@
             <p:ph type="title"/>
           </p:nvPr>
         </p:nvSpPr>
-        <p:spPr/>
+        <p:spPr>
+          <a:xfrm>
+            <a:off x="871108" y="1002889"/>
+            <a:ext cx="10449784" cy="851283"/>
+          </a:xfrm>
+        </p:spPr>
         <p:txBody>
           <a:bodyPr/>
           <a:lstStyle/>
@@ -10792,7 +11498,7 @@
           <p:nvPr>
             <p:extLst>
               <p:ext uri="{D42A27DB-BD31-4B8C-83A1-F6EECF244321}">
-                <p14:modId xmlns:p14="http://schemas.microsoft.com/office/powerpoint/2010/main" val="3270089231"/>
+                <p14:modId xmlns:p14="http://schemas.microsoft.com/office/powerpoint/2010/main" val="3675312006"/>
               </p:ext>
             </p:extLst>
           </p:nvPr>
@@ -11393,14 +12099,14 @@
           <p:nvPr>
             <p:extLst>
               <p:ext uri="{D42A27DB-BD31-4B8C-83A1-F6EECF244321}">
-                <p14:modId xmlns:p14="http://schemas.microsoft.com/office/powerpoint/2010/main" val="2119430061"/>
+                <p14:modId xmlns:p14="http://schemas.microsoft.com/office/powerpoint/2010/main" val="2654100096"/>
               </p:ext>
             </p:extLst>
           </p:nvPr>
         </p:nvGraphicFramePr>
         <p:xfrm>
-          <a:off x="871109" y="3934488"/>
-          <a:ext cx="6365434" cy="2138680"/>
+          <a:off x="871108" y="3934488"/>
+          <a:ext cx="6440975" cy="2306320"/>
         </p:xfrm>
         <a:graphic>
           <a:graphicData uri="http://schemas.openxmlformats.org/drawingml/2006/table">
@@ -11415,7 +12121,7 @@
                 </a:effectLst>
               </a:tblPr>
               <a:tblGrid>
-                <a:gridCol w="6365434">
+                <a:gridCol w="6440975">
                   <a:extLst>
                     <a:ext uri="{9D8B030D-6E8A-4147-A177-3AD203B41FA5}">
                       <a16:colId xmlns:a16="http://schemas.microsoft.com/office/drawing/2014/main" val="536246442"/>
@@ -12019,9 +12725,99 @@
                         </a:rPr>
                         <a:t>)</a:t>
                       </a:r>
-                      <a:endParaRPr lang="en-GB" dirty="0">
-                        <a:effectLst/>
-                      </a:endParaRPr>
+                    </a:p>
+                    <a:p>
+                      <a:pPr rtl="0" fontAlgn="t"/>
+                      <a:r>
+                        <a:rPr lang="en-GB" sz="1100" b="0" i="0" u="none" strike="noStrike" dirty="0">
+                          <a:solidFill>
+                            <a:srgbClr val="444444"/>
+                          </a:solidFill>
+                          <a:effectLst/>
+                          <a:latin typeface="Consolas" panose="020B0609020204030204" pitchFamily="49" charset="0"/>
+                        </a:rPr>
+                        <a:t>lines(density(</a:t>
+                      </a:r>
+                      <a:r>
+                        <a:rPr lang="en-GB" sz="1100" b="0" i="0" u="none" strike="noStrike" dirty="0" err="1">
+                          <a:solidFill>
+                            <a:srgbClr val="444444"/>
+                          </a:solidFill>
+                          <a:effectLst/>
+                          <a:latin typeface="Consolas" panose="020B0609020204030204" pitchFamily="49" charset="0"/>
+                        </a:rPr>
+                        <a:t>ndvi_post_vals</a:t>
+                      </a:r>
+                      <a:r>
+                        <a:rPr lang="en-GB" sz="1100" b="0" i="0" u="none" strike="noStrike" dirty="0">
+                          <a:solidFill>
+                            <a:srgbClr val="444444"/>
+                          </a:solidFill>
+                          <a:effectLst/>
+                          <a:latin typeface="Consolas" panose="020B0609020204030204" pitchFamily="49" charset="0"/>
+                        </a:rPr>
+                        <a:t>), col = </a:t>
+                      </a:r>
+                      <a:r>
+                        <a:rPr lang="en-GB" sz="1100" b="0" i="0" u="none" strike="noStrike" dirty="0">
+                          <a:solidFill>
+                            <a:srgbClr val="880000"/>
+                          </a:solidFill>
+                          <a:effectLst/>
+                          <a:latin typeface="Consolas" panose="020B0609020204030204" pitchFamily="49" charset="0"/>
+                        </a:rPr>
+                        <a:t>"red"</a:t>
+                      </a:r>
+                      <a:r>
+                        <a:rPr lang="en-GB" sz="1100" b="0" i="0" u="none" strike="noStrike" dirty="0">
+                          <a:solidFill>
+                            <a:srgbClr val="444444"/>
+                          </a:solidFill>
+                          <a:effectLst/>
+                          <a:latin typeface="Consolas" panose="020B0609020204030204" pitchFamily="49" charset="0"/>
+                        </a:rPr>
+                        <a:t>, </a:t>
+                      </a:r>
+                      <a:r>
+                        <a:rPr lang="en-GB" sz="1100" b="0" i="0" u="none" strike="noStrike" dirty="0" err="1">
+                          <a:solidFill>
+                            <a:srgbClr val="444444"/>
+                          </a:solidFill>
+                          <a:effectLst/>
+                          <a:latin typeface="Consolas" panose="020B0609020204030204" pitchFamily="49" charset="0"/>
+                        </a:rPr>
+                        <a:t>lwd</a:t>
+                      </a:r>
+                      <a:r>
+                        <a:rPr lang="en-GB" sz="1100" b="0" i="0" u="none" strike="noStrike" dirty="0">
+                          <a:solidFill>
+                            <a:srgbClr val="444444"/>
+                          </a:solidFill>
+                          <a:effectLst/>
+                          <a:latin typeface="Consolas" panose="020B0609020204030204" pitchFamily="49" charset="0"/>
+                        </a:rPr>
+                        <a:t> = </a:t>
+                      </a:r>
+                      <a:r>
+                        <a:rPr lang="en-GB" sz="1100" b="0" i="0" u="none" strike="noStrike" dirty="0">
+                          <a:solidFill>
+                            <a:srgbClr val="880000"/>
+                          </a:solidFill>
+                          <a:effectLst/>
+                          <a:latin typeface="Consolas" panose="020B0609020204030204" pitchFamily="49" charset="0"/>
+                        </a:rPr>
+                        <a:t>2</a:t>
+                      </a:r>
+                      <a:r>
+                        <a:rPr lang="en-GB" sz="1100" b="0" i="0" u="none" strike="noStrike" dirty="0">
+                          <a:solidFill>
+                            <a:srgbClr val="444444"/>
+                          </a:solidFill>
+                          <a:effectLst/>
+                          <a:latin typeface="Consolas" panose="020B0609020204030204" pitchFamily="49" charset="0"/>
+                        </a:rPr>
+                        <a:t>)</a:t>
+                      </a:r>
                     </a:p>
                   </a:txBody>
                   <a:tcPr marL="63500" marR="63500" marT="63500" marB="63500">
@@ -12207,6 +13003,35 @@
           </a:effectLst>
         </p:spPr>
       </p:pic>
+      <p:sp>
+        <p:nvSpPr>
+          <p:cNvPr id="9" name="Segnaposto numero diapositiva 8">
+            <a:extLst>
+              <a:ext uri="{FF2B5EF4-FFF2-40B4-BE49-F238E27FC236}">
+                <a16:creationId xmlns:a16="http://schemas.microsoft.com/office/drawing/2014/main" id="{34362B61-5565-09F6-C584-C27955EAFEB4}"/>
+              </a:ext>
+            </a:extLst>
+          </p:cNvPr>
+          <p:cNvSpPr>
+            <a:spLocks noGrp="1"/>
+          </p:cNvSpPr>
+          <p:nvPr>
+            <p:ph type="sldNum" sz="quarter" idx="12"/>
+          </p:nvPr>
+        </p:nvSpPr>
+        <p:spPr/>
+        <p:txBody>
+          <a:bodyPr/>
+          <a:lstStyle/>
+          <a:p>
+            <a:fld id="{A4EA7B8C-8E0A-4058-86EE-91598B151684}" type="slidenum">
+              <a:rPr lang="en-US" smtClean="0"/>
+              <a:t>9</a:t>
+            </a:fld>
+            <a:endParaRPr lang="en-US"/>
+          </a:p>
+        </p:txBody>
+      </p:sp>
     </p:spTree>
     <p:extLst>
       <p:ext uri="{BB962C8B-B14F-4D97-AF65-F5344CB8AC3E}">
@@ -12439,4 +13264,319 @@
     </a:ext>
   </a:extLst>
 </a:theme>
+</file>
+
+<file path=ppt/theme/theme2.xml><?xml version="1.0" encoding="utf-8"?>
+<a:theme xmlns:a="http://schemas.openxmlformats.org/drawingml/2006/main" name="Tema di Office">
+  <a:themeElements>
+    <a:clrScheme name="Office">
+      <a:dk1>
+        <a:sysClr val="windowText" lastClr="000000"/>
+      </a:dk1>
+      <a:lt1>
+        <a:sysClr val="window" lastClr="FFFFFF"/>
+      </a:lt1>
+      <a:dk2>
+        <a:srgbClr val="0E2841"/>
+      </a:dk2>
+      <a:lt2>
+        <a:srgbClr val="E8E8E8"/>
+      </a:lt2>
+      <a:accent1>
+        <a:srgbClr val="156082"/>
+      </a:accent1>
+      <a:accent2>
+        <a:srgbClr val="E97132"/>
+      </a:accent2>
+      <a:accent3>
+        <a:srgbClr val="196B24"/>
+      </a:accent3>
+      <a:accent4>
+        <a:srgbClr val="0F9ED5"/>
+      </a:accent4>
+      <a:accent5>
+        <a:srgbClr val="A02B93"/>
+      </a:accent5>
+      <a:accent6>
+        <a:srgbClr val="4EA72E"/>
+      </a:accent6>
+      <a:hlink>
+        <a:srgbClr val="467886"/>
+      </a:hlink>
+      <a:folHlink>
+        <a:srgbClr val="96607D"/>
+      </a:folHlink>
+    </a:clrScheme>
+    <a:fontScheme name="Office">
+      <a:majorFont>
+        <a:latin typeface="Aptos Display" panose="02110004020202020204"/>
+        <a:ea typeface=""/>
+        <a:cs typeface=""/>
+        <a:font script="Jpan" typeface="游ゴシック Light"/>
+        <a:font script="Hang" typeface="맑은 고딕"/>
+        <a:font script="Hans" typeface="等线 Light"/>
+        <a:font script="Hant" typeface="新細明體"/>
+        <a:font script="Arab" typeface="Times New Roman"/>
+        <a:font script="Hebr" typeface="Times New Roman"/>
+        <a:font script="Thai" typeface="Angsana New"/>
+        <a:font script="Ethi" typeface="Nyala"/>
+        <a:font script="Beng" typeface="Vrinda"/>
+        <a:font script="Gujr" typeface="Shruti"/>
+        <a:font script="Khmr" typeface="MoolBoran"/>
+        <a:font script="Knda" typeface="Tunga"/>
+        <a:font script="Guru" typeface="Raavi"/>
+        <a:font script="Cans" typeface="Euphemia"/>
+        <a:font script="Cher" typeface="Plantagenet Cherokee"/>
+        <a:font script="Yiii" typeface="Microsoft Yi Baiti"/>
+        <a:font script="Tibt" typeface="Microsoft Himalaya"/>
+        <a:font script="Thaa" typeface="MV Boli"/>
+        <a:font script="Deva" typeface="Mangal"/>
+        <a:font script="Telu" typeface="Gautami"/>
+        <a:font script="Taml" typeface="Latha"/>
+        <a:font script="Syrc" typeface="Estrangelo Edessa"/>
+        <a:font script="Orya" typeface="Kalinga"/>
+        <a:font script="Mlym" typeface="Kartika"/>
+        <a:font script="Laoo" typeface="DokChampa"/>
+        <a:font script="Sinh" typeface="Iskoola Pota"/>
+        <a:font script="Mong" typeface="Mongolian Baiti"/>
+        <a:font script="Viet" typeface="Times New Roman"/>
+        <a:font script="Uigh" typeface="Microsoft Uighur"/>
+        <a:font script="Geor" typeface="Sylfaen"/>
+        <a:font script="Armn" typeface="Arial"/>
+        <a:font script="Bugi" typeface="Leelawadee UI"/>
+        <a:font script="Bopo" typeface="Microsoft JhengHei"/>
+        <a:font script="Java" typeface="Javanese Text"/>
+        <a:font script="Lisu" typeface="Segoe UI"/>
+        <a:font script="Mymr" typeface="Myanmar Text"/>
+        <a:font script="Nkoo" typeface="Ebrima"/>
+        <a:font script="Olck" typeface="Nirmala UI"/>
+        <a:font script="Osma" typeface="Ebrima"/>
+        <a:font script="Phag" typeface="Phagspa"/>
+        <a:font script="Syrn" typeface="Estrangelo Edessa"/>
+        <a:font script="Syrj" typeface="Estrangelo Edessa"/>
+        <a:font script="Syre" typeface="Estrangelo Edessa"/>
+        <a:font script="Sora" typeface="Nirmala UI"/>
+        <a:font script="Tale" typeface="Microsoft Tai Le"/>
+        <a:font script="Talu" typeface="Microsoft New Tai Lue"/>
+        <a:font script="Tfng" typeface="Ebrima"/>
+      </a:majorFont>
+      <a:minorFont>
+        <a:latin typeface="Aptos" panose="02110004020202020204"/>
+        <a:ea typeface=""/>
+        <a:cs typeface=""/>
+        <a:font script="Jpan" typeface="游ゴシック"/>
+        <a:font script="Hang" typeface="맑은 고딕"/>
+        <a:font script="Hans" typeface="等线"/>
+        <a:font script="Hant" typeface="新細明體"/>
+        <a:font script="Arab" typeface="Arial"/>
+        <a:font script="Hebr" typeface="Arial"/>
+        <a:font script="Thai" typeface="Cordia New"/>
+        <a:font script="Ethi" typeface="Nyala"/>
+        <a:font script="Beng" typeface="Vrinda"/>
+        <a:font script="Gujr" typeface="Shruti"/>
+        <a:font script="Khmr" typeface="DaunPenh"/>
+        <a:font script="Knda" typeface="Tunga"/>
+        <a:font script="Guru" typeface="Raavi"/>
+        <a:font script="Cans" typeface="Euphemia"/>
+        <a:font script="Cher" typeface="Plantagenet Cherokee"/>
+        <a:font script="Yiii" typeface="Microsoft Yi Baiti"/>
+        <a:font script="Tibt" typeface="Microsoft Himalaya"/>
+        <a:font script="Thaa" typeface="MV Boli"/>
+        <a:font script="Deva" typeface="Mangal"/>
+        <a:font script="Telu" typeface="Gautami"/>
+        <a:font script="Taml" typeface="Latha"/>
+        <a:font script="Syrc" typeface="Estrangelo Edessa"/>
+        <a:font script="Orya" typeface="Kalinga"/>
+        <a:font script="Mlym" typeface="Kartika"/>
+        <a:font script="Laoo" typeface="DokChampa"/>
+        <a:font script="Sinh" typeface="Iskoola Pota"/>
+        <a:font script="Mong" typeface="Mongolian Baiti"/>
+        <a:font script="Viet" typeface="Arial"/>
+        <a:font script="Uigh" typeface="Microsoft Uighur"/>
+        <a:font script="Geor" typeface="Sylfaen"/>
+        <a:font script="Armn" typeface="Arial"/>
+        <a:font script="Bugi" typeface="Leelawadee UI"/>
+        <a:font script="Bopo" typeface="Microsoft JhengHei"/>
+        <a:font script="Java" typeface="Javanese Text"/>
+        <a:font script="Lisu" typeface="Segoe UI"/>
+        <a:font script="Mymr" typeface="Myanmar Text"/>
+        <a:font script="Nkoo" typeface="Ebrima"/>
+        <a:font script="Olck" typeface="Nirmala UI"/>
+        <a:font script="Osma" typeface="Ebrima"/>
+        <a:font script="Phag" typeface="Phagspa"/>
+        <a:font script="Syrn" typeface="Estrangelo Edessa"/>
+        <a:font script="Syrj" typeface="Estrangelo Edessa"/>
+        <a:font script="Syre" typeface="Estrangelo Edessa"/>
+        <a:font script="Sora" typeface="Nirmala UI"/>
+        <a:font script="Tale" typeface="Microsoft Tai Le"/>
+        <a:font script="Talu" typeface="Microsoft New Tai Lue"/>
+        <a:font script="Tfng" typeface="Ebrima"/>
+      </a:minorFont>
+    </a:fontScheme>
+    <a:fmtScheme name="Office">
+      <a:fillStyleLst>
+        <a:solidFill>
+          <a:schemeClr val="phClr"/>
+        </a:solidFill>
+        <a:gradFill rotWithShape="1">
+          <a:gsLst>
+            <a:gs pos="0">
+              <a:schemeClr val="phClr">
+                <a:lumMod val="110000"/>
+                <a:satMod val="105000"/>
+                <a:tint val="67000"/>
+              </a:schemeClr>
+            </a:gs>
+            <a:gs pos="50000">
+              <a:schemeClr val="phClr">
+                <a:lumMod val="105000"/>
+                <a:satMod val="103000"/>
+                <a:tint val="73000"/>
+              </a:schemeClr>
+            </a:gs>
+            <a:gs pos="100000">
+              <a:schemeClr val="phClr">
+                <a:lumMod val="105000"/>
+                <a:satMod val="109000"/>
+                <a:tint val="81000"/>
+              </a:schemeClr>
+            </a:gs>
+          </a:gsLst>
+          <a:lin ang="5400000" scaled="0"/>
+        </a:gradFill>
+        <a:gradFill rotWithShape="1">
+          <a:gsLst>
+            <a:gs pos="0">
+              <a:schemeClr val="phClr">
+                <a:satMod val="103000"/>
+                <a:lumMod val="102000"/>
+                <a:tint val="94000"/>
+              </a:schemeClr>
+            </a:gs>
+            <a:gs pos="50000">
+              <a:schemeClr val="phClr">
+                <a:satMod val="110000"/>
+                <a:lumMod val="100000"/>
+                <a:shade val="100000"/>
+              </a:schemeClr>
+            </a:gs>
+            <a:gs pos="100000">
+              <a:schemeClr val="phClr">
+                <a:lumMod val="99000"/>
+                <a:satMod val="120000"/>
+                <a:shade val="78000"/>
+              </a:schemeClr>
+            </a:gs>
+          </a:gsLst>
+          <a:lin ang="5400000" scaled="0"/>
+        </a:gradFill>
+      </a:fillStyleLst>
+      <a:lnStyleLst>
+        <a:ln w="12700" cap="flat" cmpd="sng" algn="ctr">
+          <a:solidFill>
+            <a:schemeClr val="phClr"/>
+          </a:solidFill>
+          <a:prstDash val="solid"/>
+          <a:miter lim="800000"/>
+        </a:ln>
+        <a:ln w="19050" cap="flat" cmpd="sng" algn="ctr">
+          <a:solidFill>
+            <a:schemeClr val="phClr"/>
+          </a:solidFill>
+          <a:prstDash val="solid"/>
+          <a:miter lim="800000"/>
+        </a:ln>
+        <a:ln w="25400" cap="flat" cmpd="sng" algn="ctr">
+          <a:solidFill>
+            <a:schemeClr val="phClr"/>
+          </a:solidFill>
+          <a:prstDash val="solid"/>
+          <a:miter lim="800000"/>
+        </a:ln>
+      </a:lnStyleLst>
+      <a:effectStyleLst>
+        <a:effectStyle>
+          <a:effectLst/>
+        </a:effectStyle>
+        <a:effectStyle>
+          <a:effectLst/>
+        </a:effectStyle>
+        <a:effectStyle>
+          <a:effectLst>
+            <a:outerShdw blurRad="57150" dist="19050" dir="5400000" algn="ctr" rotWithShape="0">
+              <a:srgbClr val="000000">
+                <a:alpha val="63000"/>
+              </a:srgbClr>
+            </a:outerShdw>
+          </a:effectLst>
+        </a:effectStyle>
+      </a:effectStyleLst>
+      <a:bgFillStyleLst>
+        <a:solidFill>
+          <a:schemeClr val="phClr"/>
+        </a:solidFill>
+        <a:solidFill>
+          <a:schemeClr val="phClr">
+            <a:tint val="95000"/>
+            <a:satMod val="170000"/>
+          </a:schemeClr>
+        </a:solidFill>
+        <a:gradFill rotWithShape="1">
+          <a:gsLst>
+            <a:gs pos="0">
+              <a:schemeClr val="phClr">
+                <a:tint val="93000"/>
+                <a:satMod val="150000"/>
+                <a:shade val="98000"/>
+                <a:lumMod val="102000"/>
+              </a:schemeClr>
+            </a:gs>
+            <a:gs pos="50000">
+              <a:schemeClr val="phClr">
+                <a:tint val="98000"/>
+                <a:satMod val="130000"/>
+                <a:shade val="90000"/>
+                <a:lumMod val="103000"/>
+              </a:schemeClr>
+            </a:gs>
+            <a:gs pos="100000">
+              <a:schemeClr val="phClr">
+                <a:shade val="63000"/>
+                <a:satMod val="120000"/>
+              </a:schemeClr>
+            </a:gs>
+          </a:gsLst>
+          <a:lin ang="5400000" scaled="0"/>
+        </a:gradFill>
+      </a:bgFillStyleLst>
+    </a:fmtScheme>
+  </a:themeElements>
+  <a:objectDefaults>
+    <a:lnDef>
+      <a:spPr/>
+      <a:bodyPr/>
+      <a:lstStyle/>
+      <a:style>
+        <a:lnRef idx="2">
+          <a:schemeClr val="accent1"/>
+        </a:lnRef>
+        <a:fillRef idx="0">
+          <a:schemeClr val="accent1"/>
+        </a:fillRef>
+        <a:effectRef idx="1">
+          <a:schemeClr val="accent1"/>
+        </a:effectRef>
+        <a:fontRef idx="minor">
+          <a:schemeClr val="tx1"/>
+        </a:fontRef>
+      </a:style>
+    </a:lnDef>
+  </a:objectDefaults>
+  <a:extraClrSchemeLst/>
+  <a:extLst>
+    <a:ext uri="{05A4C25C-085E-4340-85A3-A5531E510DB2}">
+      <thm15:themeFamily xmlns:thm15="http://schemas.microsoft.com/office/thememl/2012/main" name="Office Theme" id="{2E142A2C-CD16-42D6-873A-C26D2A0506FA}" vid="{1BDDFF52-6CD6-40A5-AB3C-68EB2F1E4D0A}"/>
+    </a:ext>
+  </a:extLst>
+</a:theme>
 </file>